--- a/Semesterarbeit/Usecases.pptx
+++ b/Semesterarbeit/Usecases.pptx
@@ -107,6 +107,22 @@
       </a:defRPr>
     </a:lvl9pPr>
   </p:defaultTextStyle>
+  <p:extLst>
+    <p:ext uri="{EFAFB233-063F-42B5-8137-9DF3F51BA10A}">
+      <p15:sldGuideLst xmlns:p15="http://schemas.microsoft.com/office/powerpoint/2012/main">
+        <p15:guide id="1" orient="horz" pos="2160">
+          <p15:clr>
+            <a:srgbClr val="A4A3A4"/>
+          </p15:clr>
+        </p15:guide>
+        <p15:guide id="2" pos="2880">
+          <p15:clr>
+            <a:srgbClr val="A4A3A4"/>
+          </p15:clr>
+        </p15:guide>
+      </p15:sldGuideLst>
+    </p:ext>
+  </p:extLst>
 </p:presentation>
 </file>
 
@@ -291,7 +307,7 @@
           <a:p>
             <a:fld id="{56F771B9-340D-4283-9418-E555553B58ED}" type="datetimeFigureOut">
               <a:rPr lang="de-CH" smtClean="0"/>
-              <a:t>04.07.2015</a:t>
+              <a:t>28.08.2015</a:t>
             </a:fld>
             <a:endParaRPr lang="de-CH"/>
           </a:p>
@@ -333,7 +349,7 @@
           <a:p>
             <a:fld id="{7B261948-BDD2-49C7-8F93-E172459AB09D}" type="slidenum">
               <a:rPr lang="de-CH" smtClean="0"/>
-              <a:t>‹#›</a:t>
+              <a:t>‹Nr.›</a:t>
             </a:fld>
             <a:endParaRPr lang="de-CH"/>
           </a:p>
@@ -461,7 +477,7 @@
           <a:p>
             <a:fld id="{56F771B9-340D-4283-9418-E555553B58ED}" type="datetimeFigureOut">
               <a:rPr lang="de-CH" smtClean="0"/>
-              <a:t>04.07.2015</a:t>
+              <a:t>28.08.2015</a:t>
             </a:fld>
             <a:endParaRPr lang="de-CH"/>
           </a:p>
@@ -503,7 +519,7 @@
           <a:p>
             <a:fld id="{7B261948-BDD2-49C7-8F93-E172459AB09D}" type="slidenum">
               <a:rPr lang="de-CH" smtClean="0"/>
-              <a:t>‹#›</a:t>
+              <a:t>‹Nr.›</a:t>
             </a:fld>
             <a:endParaRPr lang="de-CH"/>
           </a:p>
@@ -641,7 +657,7 @@
           <a:p>
             <a:fld id="{56F771B9-340D-4283-9418-E555553B58ED}" type="datetimeFigureOut">
               <a:rPr lang="de-CH" smtClean="0"/>
-              <a:t>04.07.2015</a:t>
+              <a:t>28.08.2015</a:t>
             </a:fld>
             <a:endParaRPr lang="de-CH"/>
           </a:p>
@@ -683,7 +699,7 @@
           <a:p>
             <a:fld id="{7B261948-BDD2-49C7-8F93-E172459AB09D}" type="slidenum">
               <a:rPr lang="de-CH" smtClean="0"/>
-              <a:t>‹#›</a:t>
+              <a:t>‹Nr.›</a:t>
             </a:fld>
             <a:endParaRPr lang="de-CH"/>
           </a:p>
@@ -811,7 +827,7 @@
           <a:p>
             <a:fld id="{56F771B9-340D-4283-9418-E555553B58ED}" type="datetimeFigureOut">
               <a:rPr lang="de-CH" smtClean="0"/>
-              <a:t>04.07.2015</a:t>
+              <a:t>28.08.2015</a:t>
             </a:fld>
             <a:endParaRPr lang="de-CH"/>
           </a:p>
@@ -853,7 +869,7 @@
           <a:p>
             <a:fld id="{7B261948-BDD2-49C7-8F93-E172459AB09D}" type="slidenum">
               <a:rPr lang="de-CH" smtClean="0"/>
-              <a:t>‹#›</a:t>
+              <a:t>‹Nr.›</a:t>
             </a:fld>
             <a:endParaRPr lang="de-CH"/>
           </a:p>
@@ -1057,7 +1073,7 @@
           <a:p>
             <a:fld id="{56F771B9-340D-4283-9418-E555553B58ED}" type="datetimeFigureOut">
               <a:rPr lang="de-CH" smtClean="0"/>
-              <a:t>04.07.2015</a:t>
+              <a:t>28.08.2015</a:t>
             </a:fld>
             <a:endParaRPr lang="de-CH"/>
           </a:p>
@@ -1099,7 +1115,7 @@
           <a:p>
             <a:fld id="{7B261948-BDD2-49C7-8F93-E172459AB09D}" type="slidenum">
               <a:rPr lang="de-CH" smtClean="0"/>
-              <a:t>‹#›</a:t>
+              <a:t>‹Nr.›</a:t>
             </a:fld>
             <a:endParaRPr lang="de-CH"/>
           </a:p>
@@ -1345,7 +1361,7 @@
           <a:p>
             <a:fld id="{56F771B9-340D-4283-9418-E555553B58ED}" type="datetimeFigureOut">
               <a:rPr lang="de-CH" smtClean="0"/>
-              <a:t>04.07.2015</a:t>
+              <a:t>28.08.2015</a:t>
             </a:fld>
             <a:endParaRPr lang="de-CH"/>
           </a:p>
@@ -1387,7 +1403,7 @@
           <a:p>
             <a:fld id="{7B261948-BDD2-49C7-8F93-E172459AB09D}" type="slidenum">
               <a:rPr lang="de-CH" smtClean="0"/>
-              <a:t>‹#›</a:t>
+              <a:t>‹Nr.›</a:t>
             </a:fld>
             <a:endParaRPr lang="de-CH"/>
           </a:p>
@@ -1767,7 +1783,7 @@
           <a:p>
             <a:fld id="{56F771B9-340D-4283-9418-E555553B58ED}" type="datetimeFigureOut">
               <a:rPr lang="de-CH" smtClean="0"/>
-              <a:t>04.07.2015</a:t>
+              <a:t>28.08.2015</a:t>
             </a:fld>
             <a:endParaRPr lang="de-CH"/>
           </a:p>
@@ -1809,7 +1825,7 @@
           <a:p>
             <a:fld id="{7B261948-BDD2-49C7-8F93-E172459AB09D}" type="slidenum">
               <a:rPr lang="de-CH" smtClean="0"/>
-              <a:t>‹#›</a:t>
+              <a:t>‹Nr.›</a:t>
             </a:fld>
             <a:endParaRPr lang="de-CH"/>
           </a:p>
@@ -1885,7 +1901,7 @@
           <a:p>
             <a:fld id="{56F771B9-340D-4283-9418-E555553B58ED}" type="datetimeFigureOut">
               <a:rPr lang="de-CH" smtClean="0"/>
-              <a:t>04.07.2015</a:t>
+              <a:t>28.08.2015</a:t>
             </a:fld>
             <a:endParaRPr lang="de-CH"/>
           </a:p>
@@ -1927,7 +1943,7 @@
           <a:p>
             <a:fld id="{7B261948-BDD2-49C7-8F93-E172459AB09D}" type="slidenum">
               <a:rPr lang="de-CH" smtClean="0"/>
-              <a:t>‹#›</a:t>
+              <a:t>‹Nr.›</a:t>
             </a:fld>
             <a:endParaRPr lang="de-CH"/>
           </a:p>
@@ -1980,7 +1996,7 @@
           <a:p>
             <a:fld id="{56F771B9-340D-4283-9418-E555553B58ED}" type="datetimeFigureOut">
               <a:rPr lang="de-CH" smtClean="0"/>
-              <a:t>04.07.2015</a:t>
+              <a:t>28.08.2015</a:t>
             </a:fld>
             <a:endParaRPr lang="de-CH"/>
           </a:p>
@@ -2022,7 +2038,7 @@
           <a:p>
             <a:fld id="{7B261948-BDD2-49C7-8F93-E172459AB09D}" type="slidenum">
               <a:rPr lang="de-CH" smtClean="0"/>
-              <a:t>‹#›</a:t>
+              <a:t>‹Nr.›</a:t>
             </a:fld>
             <a:endParaRPr lang="de-CH"/>
           </a:p>
@@ -2257,7 +2273,7 @@
           <a:p>
             <a:fld id="{56F771B9-340D-4283-9418-E555553B58ED}" type="datetimeFigureOut">
               <a:rPr lang="de-CH" smtClean="0"/>
-              <a:t>04.07.2015</a:t>
+              <a:t>28.08.2015</a:t>
             </a:fld>
             <a:endParaRPr lang="de-CH"/>
           </a:p>
@@ -2299,7 +2315,7 @@
           <a:p>
             <a:fld id="{7B261948-BDD2-49C7-8F93-E172459AB09D}" type="slidenum">
               <a:rPr lang="de-CH" smtClean="0"/>
-              <a:t>‹#›</a:t>
+              <a:t>‹Nr.›</a:t>
             </a:fld>
             <a:endParaRPr lang="de-CH"/>
           </a:p>
@@ -2510,7 +2526,7 @@
           <a:p>
             <a:fld id="{56F771B9-340D-4283-9418-E555553B58ED}" type="datetimeFigureOut">
               <a:rPr lang="de-CH" smtClean="0"/>
-              <a:t>04.07.2015</a:t>
+              <a:t>28.08.2015</a:t>
             </a:fld>
             <a:endParaRPr lang="de-CH"/>
           </a:p>
@@ -2552,7 +2568,7 @@
           <a:p>
             <a:fld id="{7B261948-BDD2-49C7-8F93-E172459AB09D}" type="slidenum">
               <a:rPr lang="de-CH" smtClean="0"/>
-              <a:t>‹#›</a:t>
+              <a:t>‹Nr.›</a:t>
             </a:fld>
             <a:endParaRPr lang="de-CH"/>
           </a:p>
@@ -2723,7 +2739,7 @@
           <a:p>
             <a:fld id="{56F771B9-340D-4283-9418-E555553B58ED}" type="datetimeFigureOut">
               <a:rPr lang="de-CH" smtClean="0"/>
-              <a:t>04.07.2015</a:t>
+              <a:t>28.08.2015</a:t>
             </a:fld>
             <a:endParaRPr lang="de-CH"/>
           </a:p>
@@ -2801,7 +2817,7 @@
           <a:p>
             <a:fld id="{7B261948-BDD2-49C7-8F93-E172459AB09D}" type="slidenum">
               <a:rPr lang="de-CH" smtClean="0"/>
-              <a:t>‹#›</a:t>
+              <a:t>‹Nr.›</a:t>
             </a:fld>
             <a:endParaRPr lang="de-CH"/>
           </a:p>
